--- a/teaching/ITIS6200/2023fa/lectures/lec08.pptx
+++ b/teaching/ITIS6200/2023fa/lectures/lec08.pptx
@@ -5,7 +5,7 @@
     <p:sldMasterId id="2147483663" r:id="rId1"/>
   </p:sldMasterIdLst>
   <p:notesMasterIdLst>
-    <p:notesMasterId r:id="rId50"/>
+    <p:notesMasterId r:id="rId49"/>
   </p:notesMasterIdLst>
   <p:sldIdLst>
     <p:sldId id="256" r:id="rId2"/>
@@ -51,11 +51,10 @@
     <p:sldId id="296" r:id="rId42"/>
     <p:sldId id="297" r:id="rId43"/>
     <p:sldId id="298" r:id="rId44"/>
-    <p:sldId id="299" r:id="rId45"/>
-    <p:sldId id="300" r:id="rId46"/>
-    <p:sldId id="301" r:id="rId47"/>
-    <p:sldId id="302" r:id="rId48"/>
-    <p:sldId id="303" r:id="rId49"/>
+    <p:sldId id="300" r:id="rId45"/>
+    <p:sldId id="301" r:id="rId46"/>
+    <p:sldId id="302" r:id="rId47"/>
+    <p:sldId id="303" r:id="rId48"/>
   </p:sldIdLst>
   <p:sldSz cx="9144000" cy="5143500" type="screen16x9"/>
   <p:notesSz cx="6858000" cy="9144000"/>
@@ -4808,110 +4807,6 @@
   <p:cSld>
     <p:spTree>
       <p:nvGrpSpPr>
-        <p:cNvPr id="1" name="Shape 487"/>
-        <p:cNvGrpSpPr/>
-        <p:nvPr/>
-      </p:nvGrpSpPr>
-      <p:grpSpPr>
-        <a:xfrm>
-          <a:off x="0" y="0"/>
-          <a:ext cx="0" cy="0"/>
-          <a:chOff x="0" y="0"/>
-          <a:chExt cx="0" cy="0"/>
-        </a:xfrm>
-      </p:grpSpPr>
-      <p:sp>
-        <p:nvSpPr>
-          <p:cNvPr id="488" name="Google Shape;488;g15e6d0b6464_0_99:notes"/>
-          <p:cNvSpPr>
-            <a:spLocks noGrp="1" noRot="1" noChangeAspect="1"/>
-          </p:cNvSpPr>
-          <p:nvPr>
-            <p:ph type="sldImg" idx="2"/>
-          </p:nvPr>
-        </p:nvSpPr>
-        <p:spPr>
-          <a:xfrm>
-            <a:off x="381300" y="685800"/>
-            <a:ext cx="6096000" cy="3429000"/>
-          </a:xfrm>
-          <a:custGeom>
-            <a:avLst/>
-            <a:gdLst/>
-            <a:ahLst/>
-            <a:cxnLst/>
-            <a:rect l="l" t="t" r="r" b="b"/>
-            <a:pathLst>
-              <a:path w="120000" h="120000" extrusionOk="0">
-                <a:moveTo>
-                  <a:pt x="0" y="0"/>
-                </a:moveTo>
-                <a:lnTo>
-                  <a:pt x="120000" y="0"/>
-                </a:lnTo>
-                <a:lnTo>
-                  <a:pt x="120000" y="120000"/>
-                </a:lnTo>
-                <a:lnTo>
-                  <a:pt x="0" y="120000"/>
-                </a:lnTo>
-                <a:close/>
-              </a:path>
-            </a:pathLst>
-          </a:custGeom>
-        </p:spPr>
-      </p:sp>
-      <p:sp>
-        <p:nvSpPr>
-          <p:cNvPr id="489" name="Google Shape;489;g15e6d0b6464_0_99:notes"/>
-          <p:cNvSpPr txBox="1">
-            <a:spLocks noGrp="1"/>
-          </p:cNvSpPr>
-          <p:nvPr>
-            <p:ph type="body" idx="1"/>
-          </p:nvPr>
-        </p:nvSpPr>
-        <p:spPr>
-          <a:xfrm>
-            <a:off x="685800" y="4343400"/>
-            <a:ext cx="5486400" cy="4114800"/>
-          </a:xfrm>
-          <a:prstGeom prst="rect">
-            <a:avLst/>
-          </a:prstGeom>
-        </p:spPr>
-        <p:txBody>
-          <a:bodyPr spcFirstLastPara="1" wrap="square" lIns="91425" tIns="91425" rIns="91425" bIns="91425" anchor="t" anchorCtr="0">
-            <a:noAutofit/>
-          </a:bodyPr>
-          <a:lstStyle/>
-          <a:p>
-            <a:pPr marL="0" lvl="0" indent="0" algn="l" rtl="0">
-              <a:spcBef>
-                <a:spcPts val="0"/>
-              </a:spcBef>
-              <a:spcAft>
-                <a:spcPts val="0"/>
-              </a:spcAft>
-              <a:buNone/>
-            </a:pPr>
-            <a:endParaRPr/>
-          </a:p>
-        </p:txBody>
-      </p:sp>
-    </p:spTree>
-  </p:cSld>
-  <p:clrMapOvr>
-    <a:masterClrMapping/>
-  </p:clrMapOvr>
-</p:notes>
-</file>
-
-<file path=ppt/notesSlides/notesSlide45.xml><?xml version="1.0" encoding="utf-8"?>
-<p:notes xmlns:a="http://schemas.openxmlformats.org/drawingml/2006/main" xmlns:r="http://schemas.openxmlformats.org/officeDocument/2006/relationships" xmlns:p="http://schemas.openxmlformats.org/presentationml/2006/main" showMasterSp="0" showMasterPhAnim="0">
-  <p:cSld>
-    <p:spTree>
-      <p:nvGrpSpPr>
         <p:cNvPr id="1" name="Shape 493"/>
         <p:cNvGrpSpPr/>
         <p:nvPr/>
@@ -4936,7 +4831,7 @@
         </p:nvSpPr>
         <p:spPr>
           <a:xfrm>
-            <a:off x="381300" y="685800"/>
+            <a:off x="381000" y="685800"/>
             <a:ext cx="6096000" cy="3429000"/>
           </a:xfrm>
           <a:custGeom>
@@ -5011,7 +4906,7 @@
 </p:notes>
 </file>
 
-<file path=ppt/notesSlides/notesSlide46.xml><?xml version="1.0" encoding="utf-8"?>
+<file path=ppt/notesSlides/notesSlide45.xml><?xml version="1.0" encoding="utf-8"?>
 <p:notes xmlns:a="http://schemas.openxmlformats.org/drawingml/2006/main" xmlns:r="http://schemas.openxmlformats.org/officeDocument/2006/relationships" xmlns:p="http://schemas.openxmlformats.org/presentationml/2006/main" showMasterSp="0" showMasterPhAnim="0">
   <p:cSld>
     <p:spTree>
@@ -5115,7 +5010,7 @@
 </p:notes>
 </file>
 
-<file path=ppt/notesSlides/notesSlide47.xml><?xml version="1.0" encoding="utf-8"?>
+<file path=ppt/notesSlides/notesSlide46.xml><?xml version="1.0" encoding="utf-8"?>
 <p:notes xmlns:a="http://schemas.openxmlformats.org/drawingml/2006/main" xmlns:r="http://schemas.openxmlformats.org/officeDocument/2006/relationships" xmlns:p="http://schemas.openxmlformats.org/presentationml/2006/main" showMasterSp="0" showMasterPhAnim="0">
   <p:cSld>
     <p:spTree>
@@ -5219,7 +5114,7 @@
 </p:notes>
 </file>
 
-<file path=ppt/notesSlides/notesSlide48.xml><?xml version="1.0" encoding="utf-8"?>
+<file path=ppt/notesSlides/notesSlide47.xml><?xml version="1.0" encoding="utf-8"?>
 <p:notes xmlns:a="http://schemas.openxmlformats.org/drawingml/2006/main" xmlns:r="http://schemas.openxmlformats.org/officeDocument/2006/relationships" xmlns:p="http://schemas.openxmlformats.org/presentationml/2006/main" showMasterSp="0" showMasterPhAnim="0">
   <p:cSld>
     <p:spTree>
@@ -41650,987 +41545,6 @@
   <p:cSld>
     <p:spTree>
       <p:nvGrpSpPr>
-        <p:cNvPr id="1" name="Shape 490"/>
-        <p:cNvGrpSpPr/>
-        <p:nvPr/>
-      </p:nvGrpSpPr>
-      <p:grpSpPr>
-        <a:xfrm>
-          <a:off x="0" y="0"/>
-          <a:ext cx="0" cy="0"/>
-          <a:chOff x="0" y="0"/>
-          <a:chExt cx="0" cy="0"/>
-        </a:xfrm>
-      </p:grpSpPr>
-      <p:sp>
-        <p:nvSpPr>
-          <p:cNvPr id="491" name="Google Shape;491;p60"/>
-          <p:cNvSpPr txBox="1">
-            <a:spLocks noGrp="1"/>
-          </p:cNvSpPr>
-          <p:nvPr>
-            <p:ph type="title"/>
-          </p:nvPr>
-        </p:nvSpPr>
-        <p:spPr>
-          <a:xfrm>
-            <a:off x="102700" y="270875"/>
-            <a:ext cx="8520600" cy="572700"/>
-          </a:xfrm>
-          <a:prstGeom prst="rect">
-            <a:avLst/>
-          </a:prstGeom>
-        </p:spPr>
-        <p:txBody>
-          <a:bodyPr spcFirstLastPara="1" wrap="square" lIns="91425" tIns="91425" rIns="91425" bIns="91425" anchor="t" anchorCtr="0">
-            <a:normAutofit fontScale="90000"/>
-          </a:bodyPr>
-          <a:lstStyle/>
-          <a:p>
-            <a:pPr marL="0" lvl="0" indent="0" algn="l" rtl="0">
-              <a:spcBef>
-                <a:spcPts val="0"/>
-              </a:spcBef>
-              <a:spcAft>
-                <a:spcPts val="0"/>
-              </a:spcAft>
-              <a:buNone/>
-            </a:pPr>
-            <a:r>
-              <a:rPr lang="en"/>
-              <a:t>Other Cryptocurrencies</a:t>
-            </a:r>
-            <a:endParaRPr/>
-          </a:p>
-        </p:txBody>
-      </p:sp>
-      <p:sp>
-        <p:nvSpPr>
-          <p:cNvPr id="492" name="Google Shape;492;p60"/>
-          <p:cNvSpPr txBox="1">
-            <a:spLocks noGrp="1"/>
-          </p:cNvSpPr>
-          <p:nvPr>
-            <p:ph type="body" idx="1"/>
-          </p:nvPr>
-        </p:nvSpPr>
-        <p:spPr>
-          <a:xfrm>
-            <a:off x="198500" y="1246825"/>
-            <a:ext cx="8520600" cy="3765600"/>
-          </a:xfrm>
-          <a:prstGeom prst="rect">
-            <a:avLst/>
-          </a:prstGeom>
-        </p:spPr>
-        <p:txBody>
-          <a:bodyPr spcFirstLastPara="1" wrap="square" lIns="91425" tIns="91425" rIns="91425" bIns="91425" anchor="t" anchorCtr="0">
-            <a:normAutofit/>
-          </a:bodyPr>
-          <a:lstStyle/>
-          <a:p>
-            <a:pPr marL="457200" lvl="0" indent="-342900" algn="l" rtl="0">
-              <a:spcBef>
-                <a:spcPts val="0"/>
-              </a:spcBef>
-              <a:spcAft>
-                <a:spcPts val="0"/>
-              </a:spcAft>
-              <a:buSzPts val="1800"/>
-              <a:buChar char="●"/>
-            </a:pPr>
-            <a:r>
-              <a:rPr lang="en"/>
-              <a:t>Most cryptocurrencies are based on the same principles</a:t>
-            </a:r>
-            <a:endParaRPr/>
-          </a:p>
-          <a:p>
-            <a:pPr marL="914400" lvl="1" indent="-317500" algn="l" rtl="0">
-              <a:spcBef>
-                <a:spcPts val="0"/>
-              </a:spcBef>
-              <a:spcAft>
-                <a:spcPts val="0"/>
-              </a:spcAft>
-              <a:buSzPts val="1400"/>
-              <a:buChar char="○"/>
-            </a:pPr>
-            <a:r>
-              <a:rPr lang="en"/>
-              <a:t>Public, append-only ledger structure</a:t>
-            </a:r>
-            <a:endParaRPr/>
-          </a:p>
-          <a:p>
-            <a:pPr marL="914400" lvl="1" indent="-317500" algn="l" rtl="0">
-              <a:spcBef>
-                <a:spcPts val="0"/>
-              </a:spcBef>
-              <a:spcAft>
-                <a:spcPts val="0"/>
-              </a:spcAft>
-              <a:buSzPts val="1400"/>
-              <a:buChar char="○"/>
-            </a:pPr>
-            <a:r>
-              <a:rPr lang="en"/>
-              <a:t>Designed with decentralization in mind</a:t>
-            </a:r>
-            <a:endParaRPr/>
-          </a:p>
-          <a:p>
-            <a:pPr marL="914400" lvl="1" indent="-317500" algn="l" rtl="0">
-              <a:spcBef>
-                <a:spcPts val="0"/>
-              </a:spcBef>
-              <a:spcAft>
-                <a:spcPts val="0"/>
-              </a:spcAft>
-              <a:buSzPts val="1400"/>
-              <a:buChar char="○"/>
-            </a:pPr>
-            <a:r>
-              <a:rPr lang="en"/>
-              <a:t>Some are software “forks” of the original Bitcoin blockchain</a:t>
-            </a:r>
-            <a:endParaRPr/>
-          </a:p>
-          <a:p>
-            <a:pPr marL="1371600" lvl="2" indent="-317500" algn="l" rtl="0">
-              <a:spcBef>
-                <a:spcPts val="0"/>
-              </a:spcBef>
-              <a:spcAft>
-                <a:spcPts val="0"/>
-              </a:spcAft>
-              <a:buSzPts val="1400"/>
-              <a:buChar char="■"/>
-            </a:pPr>
-            <a:r>
-              <a:rPr lang="en"/>
-              <a:t>The fork ignores new Bitcoin blocks, and Bitcoin ignores fork blocks</a:t>
-            </a:r>
-            <a:endParaRPr/>
-          </a:p>
-          <a:p>
-            <a:pPr marL="457200" lvl="0" indent="-342900" algn="l" rtl="0">
-              <a:spcBef>
-                <a:spcPts val="0"/>
-              </a:spcBef>
-              <a:spcAft>
-                <a:spcPts val="0"/>
-              </a:spcAft>
-              <a:buSzPts val="1800"/>
-              <a:buChar char="●"/>
-            </a:pPr>
-            <a:r>
-              <a:rPr lang="en"/>
-              <a:t>New cryptocurrencies are marketed with a distinguishing feature</a:t>
-            </a:r>
-            <a:endParaRPr/>
-          </a:p>
-          <a:p>
-            <a:pPr marL="914400" lvl="1" indent="-317500" algn="l" rtl="0">
-              <a:spcBef>
-                <a:spcPts val="0"/>
-              </a:spcBef>
-              <a:spcAft>
-                <a:spcPts val="0"/>
-              </a:spcAft>
-              <a:buSzPts val="1400"/>
-              <a:buChar char="○"/>
-            </a:pPr>
-            <a:r>
-              <a:rPr lang="en"/>
-              <a:t>Litecoin: Adds a catchy slogan</a:t>
-            </a:r>
-            <a:endParaRPr/>
-          </a:p>
-          <a:p>
-            <a:pPr marL="914400" lvl="1" indent="-317500" algn="l" rtl="0">
-              <a:spcBef>
-                <a:spcPts val="0"/>
-              </a:spcBef>
-              <a:spcAft>
-                <a:spcPts val="0"/>
-              </a:spcAft>
-              <a:buSzPts val="1400"/>
-              <a:buChar char="○"/>
-            </a:pPr>
-            <a:r>
-              <a:rPr lang="en"/>
-              <a:t>Dogecoin: Adds an Internet meme</a:t>
-            </a:r>
-            <a:endParaRPr/>
-          </a:p>
-          <a:p>
-            <a:pPr marL="914400" lvl="1" indent="-317500" algn="l" rtl="0">
-              <a:spcBef>
-                <a:spcPts val="0"/>
-              </a:spcBef>
-              <a:spcAft>
-                <a:spcPts val="0"/>
-              </a:spcAft>
-              <a:buSzPts val="1400"/>
-              <a:buChar char="○"/>
-            </a:pPr>
-            <a:r>
-              <a:rPr lang="en"/>
-              <a:t>Ripple: Centralized cryptocurrency with an additional settlement structure</a:t>
-            </a:r>
-            <a:endParaRPr/>
-          </a:p>
-          <a:p>
-            <a:pPr marL="914400" lvl="1" indent="-317500" algn="l" rtl="0">
-              <a:spcBef>
-                <a:spcPts val="0"/>
-              </a:spcBef>
-              <a:spcAft>
-                <a:spcPts val="0"/>
-              </a:spcAft>
-              <a:buSzPts val="1400"/>
-              <a:buChar char="○"/>
-            </a:pPr>
-            <a:r>
-              <a:rPr lang="en"/>
-              <a:t>IOTA: Designed its own brand-new cryptography (using trinary math)</a:t>
-            </a:r>
-            <a:endParaRPr/>
-          </a:p>
-          <a:p>
-            <a:pPr marL="914400" lvl="1" indent="-317500" algn="l" rtl="0">
-              <a:spcBef>
-                <a:spcPts val="0"/>
-              </a:spcBef>
-              <a:spcAft>
-                <a:spcPts val="0"/>
-              </a:spcAft>
-              <a:buSzPts val="1400"/>
-              <a:buChar char="○"/>
-            </a:pPr>
-            <a:r>
-              <a:rPr lang="en"/>
-              <a:t>Monero: Improves pseudonymity</a:t>
-            </a:r>
-            <a:endParaRPr/>
-          </a:p>
-          <a:p>
-            <a:pPr marL="914400" lvl="1" indent="-317500" algn="l" rtl="0">
-              <a:spcBef>
-                <a:spcPts val="0"/>
-              </a:spcBef>
-              <a:spcAft>
-                <a:spcPts val="0"/>
-              </a:spcAft>
-              <a:buSzPts val="1400"/>
-              <a:buChar char="○"/>
-            </a:pPr>
-            <a:r>
-              <a:rPr lang="en"/>
-              <a:t>Zcash: Adds real anonymity</a:t>
-            </a:r>
-            <a:endParaRPr/>
-          </a:p>
-          <a:p>
-            <a:pPr marL="914400" lvl="1" indent="-317500" algn="l" rtl="0">
-              <a:spcBef>
-                <a:spcPts val="0"/>
-              </a:spcBef>
-              <a:spcAft>
-                <a:spcPts val="0"/>
-              </a:spcAft>
-              <a:buSzPts val="1400"/>
-              <a:buChar char="○"/>
-            </a:pPr>
-            <a:r>
-              <a:rPr lang="en"/>
-              <a:t>Ethereum: Adds million-dollar rewards for catching bugs</a:t>
-            </a:r>
-            <a:endParaRPr/>
-          </a:p>
-        </p:txBody>
-      </p:sp>
-    </p:spTree>
-  </p:cSld>
-  <p:clrMapOvr>
-    <a:masterClrMapping/>
-  </p:clrMapOvr>
-  <p:timing>
-    <p:tnLst>
-      <p:par>
-        <p:cTn id="1" dur="indefinite" restart="never" nodeType="tmRoot">
-          <p:childTnLst>
-            <p:seq concurrent="1" nextAc="seek">
-              <p:cTn id="2" dur="indefinite" nodeType="mainSeq">
-                <p:childTnLst>
-                  <p:par>
-                    <p:cTn id="3" fill="hold">
-                      <p:stCondLst>
-                        <p:cond delay="indefinite"/>
-                      </p:stCondLst>
-                      <p:childTnLst>
-                        <p:par>
-                          <p:cTn id="4" fill="hold">
-                            <p:stCondLst>
-                              <p:cond delay="0"/>
-                            </p:stCondLst>
-                            <p:childTnLst>
-                              <p:par>
-                                <p:cTn id="5" presetID="1" presetClass="entr" presetSubtype="0" fill="hold" nodeType="clickEffect">
-                                  <p:stCondLst>
-                                    <p:cond delay="0"/>
-                                  </p:stCondLst>
-                                  <p:childTnLst>
-                                    <p:set>
-                                      <p:cBhvr>
-                                        <p:cTn id="6" dur="1" fill="hold">
-                                          <p:stCondLst>
-                                            <p:cond delay="0"/>
-                                          </p:stCondLst>
-                                        </p:cTn>
-                                        <p:tgtEl>
-                                          <p:spTgt spid="492">
-                                            <p:txEl>
-                                              <p:pRg st="0" end="0"/>
-                                            </p:txEl>
-                                          </p:spTgt>
-                                        </p:tgtEl>
-                                        <p:attrNameLst>
-                                          <p:attrName>style.visibility</p:attrName>
-                                        </p:attrNameLst>
-                                      </p:cBhvr>
-                                      <p:to>
-                                        <p:strVal val="visible"/>
-                                      </p:to>
-                                    </p:set>
-                                  </p:childTnLst>
-                                </p:cTn>
-                              </p:par>
-                            </p:childTnLst>
-                          </p:cTn>
-                        </p:par>
-                      </p:childTnLst>
-                    </p:cTn>
-                  </p:par>
-                  <p:par>
-                    <p:cTn id="7" fill="hold">
-                      <p:stCondLst>
-                        <p:cond delay="indefinite"/>
-                      </p:stCondLst>
-                      <p:childTnLst>
-                        <p:par>
-                          <p:cTn id="8" fill="hold">
-                            <p:stCondLst>
-                              <p:cond delay="0"/>
-                            </p:stCondLst>
-                            <p:childTnLst>
-                              <p:par>
-                                <p:cTn id="9" presetID="1" presetClass="entr" presetSubtype="0" fill="hold" nodeType="clickEffect">
-                                  <p:stCondLst>
-                                    <p:cond delay="0"/>
-                                  </p:stCondLst>
-                                  <p:childTnLst>
-                                    <p:set>
-                                      <p:cBhvr>
-                                        <p:cTn id="10" dur="1" fill="hold">
-                                          <p:stCondLst>
-                                            <p:cond delay="0"/>
-                                          </p:stCondLst>
-                                        </p:cTn>
-                                        <p:tgtEl>
-                                          <p:spTgt spid="492">
-                                            <p:txEl>
-                                              <p:pRg st="1" end="1"/>
-                                            </p:txEl>
-                                          </p:spTgt>
-                                        </p:tgtEl>
-                                        <p:attrNameLst>
-                                          <p:attrName>style.visibility</p:attrName>
-                                        </p:attrNameLst>
-                                      </p:cBhvr>
-                                      <p:to>
-                                        <p:strVal val="visible"/>
-                                      </p:to>
-                                    </p:set>
-                                  </p:childTnLst>
-                                </p:cTn>
-                              </p:par>
-                            </p:childTnLst>
-                          </p:cTn>
-                        </p:par>
-                      </p:childTnLst>
-                    </p:cTn>
-                  </p:par>
-                  <p:par>
-                    <p:cTn id="11" fill="hold">
-                      <p:stCondLst>
-                        <p:cond delay="indefinite"/>
-                      </p:stCondLst>
-                      <p:childTnLst>
-                        <p:par>
-                          <p:cTn id="12" fill="hold">
-                            <p:stCondLst>
-                              <p:cond delay="0"/>
-                            </p:stCondLst>
-                            <p:childTnLst>
-                              <p:par>
-                                <p:cTn id="13" presetID="1" presetClass="entr" presetSubtype="0" fill="hold" nodeType="clickEffect">
-                                  <p:stCondLst>
-                                    <p:cond delay="0"/>
-                                  </p:stCondLst>
-                                  <p:childTnLst>
-                                    <p:set>
-                                      <p:cBhvr>
-                                        <p:cTn id="14" dur="1" fill="hold">
-                                          <p:stCondLst>
-                                            <p:cond delay="0"/>
-                                          </p:stCondLst>
-                                        </p:cTn>
-                                        <p:tgtEl>
-                                          <p:spTgt spid="492">
-                                            <p:txEl>
-                                              <p:pRg st="2" end="2"/>
-                                            </p:txEl>
-                                          </p:spTgt>
-                                        </p:tgtEl>
-                                        <p:attrNameLst>
-                                          <p:attrName>style.visibility</p:attrName>
-                                        </p:attrNameLst>
-                                      </p:cBhvr>
-                                      <p:to>
-                                        <p:strVal val="visible"/>
-                                      </p:to>
-                                    </p:set>
-                                  </p:childTnLst>
-                                </p:cTn>
-                              </p:par>
-                            </p:childTnLst>
-                          </p:cTn>
-                        </p:par>
-                      </p:childTnLst>
-                    </p:cTn>
-                  </p:par>
-                  <p:par>
-                    <p:cTn id="15" fill="hold">
-                      <p:stCondLst>
-                        <p:cond delay="indefinite"/>
-                      </p:stCondLst>
-                      <p:childTnLst>
-                        <p:par>
-                          <p:cTn id="16" fill="hold">
-                            <p:stCondLst>
-                              <p:cond delay="0"/>
-                            </p:stCondLst>
-                            <p:childTnLst>
-                              <p:par>
-                                <p:cTn id="17" presetID="1" presetClass="entr" presetSubtype="0" fill="hold" nodeType="clickEffect">
-                                  <p:stCondLst>
-                                    <p:cond delay="0"/>
-                                  </p:stCondLst>
-                                  <p:childTnLst>
-                                    <p:set>
-                                      <p:cBhvr>
-                                        <p:cTn id="18" dur="1" fill="hold">
-                                          <p:stCondLst>
-                                            <p:cond delay="0"/>
-                                          </p:stCondLst>
-                                        </p:cTn>
-                                        <p:tgtEl>
-                                          <p:spTgt spid="492">
-                                            <p:txEl>
-                                              <p:pRg st="3" end="3"/>
-                                            </p:txEl>
-                                          </p:spTgt>
-                                        </p:tgtEl>
-                                        <p:attrNameLst>
-                                          <p:attrName>style.visibility</p:attrName>
-                                        </p:attrNameLst>
-                                      </p:cBhvr>
-                                      <p:to>
-                                        <p:strVal val="visible"/>
-                                      </p:to>
-                                    </p:set>
-                                  </p:childTnLst>
-                                </p:cTn>
-                              </p:par>
-                            </p:childTnLst>
-                          </p:cTn>
-                        </p:par>
-                      </p:childTnLst>
-                    </p:cTn>
-                  </p:par>
-                  <p:par>
-                    <p:cTn id="19" fill="hold">
-                      <p:stCondLst>
-                        <p:cond delay="indefinite"/>
-                      </p:stCondLst>
-                      <p:childTnLst>
-                        <p:par>
-                          <p:cTn id="20" fill="hold">
-                            <p:stCondLst>
-                              <p:cond delay="0"/>
-                            </p:stCondLst>
-                            <p:childTnLst>
-                              <p:par>
-                                <p:cTn id="21" presetID="1" presetClass="entr" presetSubtype="0" fill="hold" nodeType="clickEffect">
-                                  <p:stCondLst>
-                                    <p:cond delay="0"/>
-                                  </p:stCondLst>
-                                  <p:childTnLst>
-                                    <p:set>
-                                      <p:cBhvr>
-                                        <p:cTn id="22" dur="1" fill="hold">
-                                          <p:stCondLst>
-                                            <p:cond delay="0"/>
-                                          </p:stCondLst>
-                                        </p:cTn>
-                                        <p:tgtEl>
-                                          <p:spTgt spid="492">
-                                            <p:txEl>
-                                              <p:pRg st="4" end="4"/>
-                                            </p:txEl>
-                                          </p:spTgt>
-                                        </p:tgtEl>
-                                        <p:attrNameLst>
-                                          <p:attrName>style.visibility</p:attrName>
-                                        </p:attrNameLst>
-                                      </p:cBhvr>
-                                      <p:to>
-                                        <p:strVal val="visible"/>
-                                      </p:to>
-                                    </p:set>
-                                  </p:childTnLst>
-                                </p:cTn>
-                              </p:par>
-                            </p:childTnLst>
-                          </p:cTn>
-                        </p:par>
-                      </p:childTnLst>
-                    </p:cTn>
-                  </p:par>
-                  <p:par>
-                    <p:cTn id="23" fill="hold">
-                      <p:stCondLst>
-                        <p:cond delay="indefinite"/>
-                      </p:stCondLst>
-                      <p:childTnLst>
-                        <p:par>
-                          <p:cTn id="24" fill="hold">
-                            <p:stCondLst>
-                              <p:cond delay="0"/>
-                            </p:stCondLst>
-                            <p:childTnLst>
-                              <p:par>
-                                <p:cTn id="25" presetID="1" presetClass="entr" presetSubtype="0" fill="hold" nodeType="clickEffect">
-                                  <p:stCondLst>
-                                    <p:cond delay="0"/>
-                                  </p:stCondLst>
-                                  <p:childTnLst>
-                                    <p:set>
-                                      <p:cBhvr>
-                                        <p:cTn id="26" dur="1" fill="hold">
-                                          <p:stCondLst>
-                                            <p:cond delay="0"/>
-                                          </p:stCondLst>
-                                        </p:cTn>
-                                        <p:tgtEl>
-                                          <p:spTgt spid="492">
-                                            <p:txEl>
-                                              <p:pRg st="5" end="5"/>
-                                            </p:txEl>
-                                          </p:spTgt>
-                                        </p:tgtEl>
-                                        <p:attrNameLst>
-                                          <p:attrName>style.visibility</p:attrName>
-                                        </p:attrNameLst>
-                                      </p:cBhvr>
-                                      <p:to>
-                                        <p:strVal val="visible"/>
-                                      </p:to>
-                                    </p:set>
-                                  </p:childTnLst>
-                                </p:cTn>
-                              </p:par>
-                            </p:childTnLst>
-                          </p:cTn>
-                        </p:par>
-                      </p:childTnLst>
-                    </p:cTn>
-                  </p:par>
-                  <p:par>
-                    <p:cTn id="27" fill="hold">
-                      <p:stCondLst>
-                        <p:cond delay="indefinite"/>
-                      </p:stCondLst>
-                      <p:childTnLst>
-                        <p:par>
-                          <p:cTn id="28" fill="hold">
-                            <p:stCondLst>
-                              <p:cond delay="0"/>
-                            </p:stCondLst>
-                            <p:childTnLst>
-                              <p:par>
-                                <p:cTn id="29" presetID="1" presetClass="entr" presetSubtype="0" fill="hold" nodeType="clickEffect">
-                                  <p:stCondLst>
-                                    <p:cond delay="0"/>
-                                  </p:stCondLst>
-                                  <p:childTnLst>
-                                    <p:set>
-                                      <p:cBhvr>
-                                        <p:cTn id="30" dur="1" fill="hold">
-                                          <p:stCondLst>
-                                            <p:cond delay="0"/>
-                                          </p:stCondLst>
-                                        </p:cTn>
-                                        <p:tgtEl>
-                                          <p:spTgt spid="492">
-                                            <p:txEl>
-                                              <p:pRg st="6" end="6"/>
-                                            </p:txEl>
-                                          </p:spTgt>
-                                        </p:tgtEl>
-                                        <p:attrNameLst>
-                                          <p:attrName>style.visibility</p:attrName>
-                                        </p:attrNameLst>
-                                      </p:cBhvr>
-                                      <p:to>
-                                        <p:strVal val="visible"/>
-                                      </p:to>
-                                    </p:set>
-                                  </p:childTnLst>
-                                </p:cTn>
-                              </p:par>
-                            </p:childTnLst>
-                          </p:cTn>
-                        </p:par>
-                      </p:childTnLst>
-                    </p:cTn>
-                  </p:par>
-                  <p:par>
-                    <p:cTn id="31" fill="hold">
-                      <p:stCondLst>
-                        <p:cond delay="indefinite"/>
-                      </p:stCondLst>
-                      <p:childTnLst>
-                        <p:par>
-                          <p:cTn id="32" fill="hold">
-                            <p:stCondLst>
-                              <p:cond delay="0"/>
-                            </p:stCondLst>
-                            <p:childTnLst>
-                              <p:par>
-                                <p:cTn id="33" presetID="1" presetClass="entr" presetSubtype="0" fill="hold" nodeType="clickEffect">
-                                  <p:stCondLst>
-                                    <p:cond delay="0"/>
-                                  </p:stCondLst>
-                                  <p:childTnLst>
-                                    <p:set>
-                                      <p:cBhvr>
-                                        <p:cTn id="34" dur="1" fill="hold">
-                                          <p:stCondLst>
-                                            <p:cond delay="0"/>
-                                          </p:stCondLst>
-                                        </p:cTn>
-                                        <p:tgtEl>
-                                          <p:spTgt spid="492">
-                                            <p:txEl>
-                                              <p:pRg st="7" end="7"/>
-                                            </p:txEl>
-                                          </p:spTgt>
-                                        </p:tgtEl>
-                                        <p:attrNameLst>
-                                          <p:attrName>style.visibility</p:attrName>
-                                        </p:attrNameLst>
-                                      </p:cBhvr>
-                                      <p:to>
-                                        <p:strVal val="visible"/>
-                                      </p:to>
-                                    </p:set>
-                                  </p:childTnLst>
-                                </p:cTn>
-                              </p:par>
-                            </p:childTnLst>
-                          </p:cTn>
-                        </p:par>
-                      </p:childTnLst>
-                    </p:cTn>
-                  </p:par>
-                  <p:par>
-                    <p:cTn id="35" fill="hold">
-                      <p:stCondLst>
-                        <p:cond delay="indefinite"/>
-                      </p:stCondLst>
-                      <p:childTnLst>
-                        <p:par>
-                          <p:cTn id="36" fill="hold">
-                            <p:stCondLst>
-                              <p:cond delay="0"/>
-                            </p:stCondLst>
-                            <p:childTnLst>
-                              <p:par>
-                                <p:cTn id="37" presetID="1" presetClass="entr" presetSubtype="0" fill="hold" nodeType="clickEffect">
-                                  <p:stCondLst>
-                                    <p:cond delay="0"/>
-                                  </p:stCondLst>
-                                  <p:childTnLst>
-                                    <p:set>
-                                      <p:cBhvr>
-                                        <p:cTn id="38" dur="1" fill="hold">
-                                          <p:stCondLst>
-                                            <p:cond delay="0"/>
-                                          </p:stCondLst>
-                                        </p:cTn>
-                                        <p:tgtEl>
-                                          <p:spTgt spid="492">
-                                            <p:txEl>
-                                              <p:pRg st="8" end="8"/>
-                                            </p:txEl>
-                                          </p:spTgt>
-                                        </p:tgtEl>
-                                        <p:attrNameLst>
-                                          <p:attrName>style.visibility</p:attrName>
-                                        </p:attrNameLst>
-                                      </p:cBhvr>
-                                      <p:to>
-                                        <p:strVal val="visible"/>
-                                      </p:to>
-                                    </p:set>
-                                  </p:childTnLst>
-                                </p:cTn>
-                              </p:par>
-                            </p:childTnLst>
-                          </p:cTn>
-                        </p:par>
-                      </p:childTnLst>
-                    </p:cTn>
-                  </p:par>
-                  <p:par>
-                    <p:cTn id="39" fill="hold">
-                      <p:stCondLst>
-                        <p:cond delay="indefinite"/>
-                      </p:stCondLst>
-                      <p:childTnLst>
-                        <p:par>
-                          <p:cTn id="40" fill="hold">
-                            <p:stCondLst>
-                              <p:cond delay="0"/>
-                            </p:stCondLst>
-                            <p:childTnLst>
-                              <p:par>
-                                <p:cTn id="41" presetID="1" presetClass="entr" presetSubtype="0" fill="hold" nodeType="clickEffect">
-                                  <p:stCondLst>
-                                    <p:cond delay="0"/>
-                                  </p:stCondLst>
-                                  <p:childTnLst>
-                                    <p:set>
-                                      <p:cBhvr>
-                                        <p:cTn id="42" dur="1" fill="hold">
-                                          <p:stCondLst>
-                                            <p:cond delay="0"/>
-                                          </p:stCondLst>
-                                        </p:cTn>
-                                        <p:tgtEl>
-                                          <p:spTgt spid="492">
-                                            <p:txEl>
-                                              <p:pRg st="9" end="9"/>
-                                            </p:txEl>
-                                          </p:spTgt>
-                                        </p:tgtEl>
-                                        <p:attrNameLst>
-                                          <p:attrName>style.visibility</p:attrName>
-                                        </p:attrNameLst>
-                                      </p:cBhvr>
-                                      <p:to>
-                                        <p:strVal val="visible"/>
-                                      </p:to>
-                                    </p:set>
-                                  </p:childTnLst>
-                                </p:cTn>
-                              </p:par>
-                            </p:childTnLst>
-                          </p:cTn>
-                        </p:par>
-                      </p:childTnLst>
-                    </p:cTn>
-                  </p:par>
-                  <p:par>
-                    <p:cTn id="43" fill="hold">
-                      <p:stCondLst>
-                        <p:cond delay="indefinite"/>
-                      </p:stCondLst>
-                      <p:childTnLst>
-                        <p:par>
-                          <p:cTn id="44" fill="hold">
-                            <p:stCondLst>
-                              <p:cond delay="0"/>
-                            </p:stCondLst>
-                            <p:childTnLst>
-                              <p:par>
-                                <p:cTn id="45" presetID="1" presetClass="entr" presetSubtype="0" fill="hold" nodeType="clickEffect">
-                                  <p:stCondLst>
-                                    <p:cond delay="0"/>
-                                  </p:stCondLst>
-                                  <p:childTnLst>
-                                    <p:set>
-                                      <p:cBhvr>
-                                        <p:cTn id="46" dur="1" fill="hold">
-                                          <p:stCondLst>
-                                            <p:cond delay="0"/>
-                                          </p:stCondLst>
-                                        </p:cTn>
-                                        <p:tgtEl>
-                                          <p:spTgt spid="492">
-                                            <p:txEl>
-                                              <p:pRg st="10" end="10"/>
-                                            </p:txEl>
-                                          </p:spTgt>
-                                        </p:tgtEl>
-                                        <p:attrNameLst>
-                                          <p:attrName>style.visibility</p:attrName>
-                                        </p:attrNameLst>
-                                      </p:cBhvr>
-                                      <p:to>
-                                        <p:strVal val="visible"/>
-                                      </p:to>
-                                    </p:set>
-                                  </p:childTnLst>
-                                </p:cTn>
-                              </p:par>
-                            </p:childTnLst>
-                          </p:cTn>
-                        </p:par>
-                      </p:childTnLst>
-                    </p:cTn>
-                  </p:par>
-                  <p:par>
-                    <p:cTn id="47" fill="hold">
-                      <p:stCondLst>
-                        <p:cond delay="indefinite"/>
-                      </p:stCondLst>
-                      <p:childTnLst>
-                        <p:par>
-                          <p:cTn id="48" fill="hold">
-                            <p:stCondLst>
-                              <p:cond delay="0"/>
-                            </p:stCondLst>
-                            <p:childTnLst>
-                              <p:par>
-                                <p:cTn id="49" presetID="1" presetClass="entr" presetSubtype="0" fill="hold" nodeType="clickEffect">
-                                  <p:stCondLst>
-                                    <p:cond delay="0"/>
-                                  </p:stCondLst>
-                                  <p:childTnLst>
-                                    <p:set>
-                                      <p:cBhvr>
-                                        <p:cTn id="50" dur="1" fill="hold">
-                                          <p:stCondLst>
-                                            <p:cond delay="0"/>
-                                          </p:stCondLst>
-                                        </p:cTn>
-                                        <p:tgtEl>
-                                          <p:spTgt spid="492">
-                                            <p:txEl>
-                                              <p:pRg st="11" end="11"/>
-                                            </p:txEl>
-                                          </p:spTgt>
-                                        </p:tgtEl>
-                                        <p:attrNameLst>
-                                          <p:attrName>style.visibility</p:attrName>
-                                        </p:attrNameLst>
-                                      </p:cBhvr>
-                                      <p:to>
-                                        <p:strVal val="visible"/>
-                                      </p:to>
-                                    </p:set>
-                                  </p:childTnLst>
-                                </p:cTn>
-                              </p:par>
-                            </p:childTnLst>
-                          </p:cTn>
-                        </p:par>
-                      </p:childTnLst>
-                    </p:cTn>
-                  </p:par>
-                  <p:par>
-                    <p:cTn id="51" fill="hold">
-                      <p:stCondLst>
-                        <p:cond delay="indefinite"/>
-                      </p:stCondLst>
-                      <p:childTnLst>
-                        <p:par>
-                          <p:cTn id="52" fill="hold">
-                            <p:stCondLst>
-                              <p:cond delay="0"/>
-                            </p:stCondLst>
-                            <p:childTnLst>
-                              <p:par>
-                                <p:cTn id="53" presetID="1" presetClass="entr" presetSubtype="0" fill="hold" nodeType="clickEffect">
-                                  <p:stCondLst>
-                                    <p:cond delay="0"/>
-                                  </p:stCondLst>
-                                  <p:childTnLst>
-                                    <p:set>
-                                      <p:cBhvr>
-                                        <p:cTn id="54" dur="1" fill="hold">
-                                          <p:stCondLst>
-                                            <p:cond delay="0"/>
-                                          </p:stCondLst>
-                                        </p:cTn>
-                                        <p:tgtEl>
-                                          <p:spTgt spid="492">
-                                            <p:txEl>
-                                              <p:pRg st="12" end="12"/>
-                                            </p:txEl>
-                                          </p:spTgt>
-                                        </p:tgtEl>
-                                        <p:attrNameLst>
-                                          <p:attrName>style.visibility</p:attrName>
-                                        </p:attrNameLst>
-                                      </p:cBhvr>
-                                      <p:to>
-                                        <p:strVal val="visible"/>
-                                      </p:to>
-                                    </p:set>
-                                  </p:childTnLst>
-                                </p:cTn>
-                              </p:par>
-                            </p:childTnLst>
-                          </p:cTn>
-                        </p:par>
-                      </p:childTnLst>
-                    </p:cTn>
-                  </p:par>
-                </p:childTnLst>
-              </p:cTn>
-              <p:prevCondLst>
-                <p:cond evt="onPrev" delay="0">
-                  <p:tgtEl>
-                    <p:sldTgt/>
-                  </p:tgtEl>
-                </p:cond>
-              </p:prevCondLst>
-              <p:nextCondLst>
-                <p:cond evt="onNext" delay="0">
-                  <p:tgtEl>
-                    <p:sldTgt/>
-                  </p:tgtEl>
-                </p:cond>
-              </p:nextCondLst>
-            </p:seq>
-          </p:childTnLst>
-        </p:cTn>
-      </p:par>
-    </p:tnLst>
-  </p:timing>
-</p:sld>
-</file>
-
-<file path=ppt/slides/slide45.xml><?xml version="1.0" encoding="utf-8"?>
-<p:sld xmlns:a="http://schemas.openxmlformats.org/drawingml/2006/main" xmlns:r="http://schemas.openxmlformats.org/officeDocument/2006/relationships" xmlns:p="http://schemas.openxmlformats.org/presentationml/2006/main">
-  <p:cSld>
-    <p:spTree>
-      <p:nvGrpSpPr>
         <p:cNvPr id="1" name="Shape 496"/>
         <p:cNvGrpSpPr/>
         <p:nvPr/>
@@ -42968,7 +41882,7 @@
             </a:pPr>
             <a:fld id="{00000000-1234-1234-1234-123412341234}" type="slidenum">
               <a:rPr lang="en"/>
-              <a:t>45</a:t>
+              <a:t>44</a:t>
             </a:fld>
             <a:endParaRPr/>
           </a:p>
@@ -43845,7 +42759,7 @@
 </p:sld>
 </file>
 
-<file path=ppt/slides/slide46.xml><?xml version="1.0" encoding="utf-8"?>
+<file path=ppt/slides/slide45.xml><?xml version="1.0" encoding="utf-8"?>
 <p:sld xmlns:a="http://schemas.openxmlformats.org/drawingml/2006/main" xmlns:r="http://schemas.openxmlformats.org/officeDocument/2006/relationships" xmlns:p="http://schemas.openxmlformats.org/presentationml/2006/main">
   <p:cSld>
     <p:spTree>
@@ -44694,7 +43608,7 @@
 </p:sld>
 </file>
 
-<file path=ppt/slides/slide47.xml><?xml version="1.0" encoding="utf-8"?>
+<file path=ppt/slides/slide46.xml><?xml version="1.0" encoding="utf-8"?>
 <p:sld xmlns:a="http://schemas.openxmlformats.org/drawingml/2006/main" xmlns:r="http://schemas.openxmlformats.org/officeDocument/2006/relationships" xmlns:p="http://schemas.openxmlformats.org/presentationml/2006/main">
   <p:cSld>
     <p:spTree>
@@ -45082,7 +43996,7 @@
             </a:pPr>
             <a:fld id="{00000000-1234-1234-1234-123412341234}" type="slidenum">
               <a:rPr lang="en"/>
-              <a:t>47</a:t>
+              <a:t>46</a:t>
             </a:fld>
             <a:endParaRPr/>
           </a:p>
@@ -45096,7 +44010,7 @@
 </p:sld>
 </file>
 
-<file path=ppt/slides/slide48.xml><?xml version="1.0" encoding="utf-8"?>
+<file path=ppt/slides/slide47.xml><?xml version="1.0" encoding="utf-8"?>
 <p:sld xmlns:a="http://schemas.openxmlformats.org/drawingml/2006/main" xmlns:r="http://schemas.openxmlformats.org/officeDocument/2006/relationships" xmlns:p="http://schemas.openxmlformats.org/presentationml/2006/main">
   <p:cSld>
     <p:spTree>
